--- a/FP-Growth.pptx
+++ b/FP-Growth.pptx
@@ -2684,7 +2684,7 @@
           <a:p>
             <a:fld id="{050F2255-1E73-4E90-AD07-F4C7ED0C1CA6}" type="datetimeFigureOut">
               <a:rPr lang="zh-TW" altLang="en-US" smtClean="0"/>
-              <a:t>2022/12/3</a:t>
+              <a:t>2022/12/4</a:t>
             </a:fld>
             <a:endParaRPr lang="zh-TW" altLang="en-US"/>
           </a:p>
@@ -3014,7 +3014,7 @@
           <a:p>
             <a:fld id="{050F2255-1E73-4E90-AD07-F4C7ED0C1CA6}" type="datetimeFigureOut">
               <a:rPr lang="zh-TW" altLang="en-US" smtClean="0"/>
-              <a:t>2022/12/3</a:t>
+              <a:t>2022/12/4</a:t>
             </a:fld>
             <a:endParaRPr lang="zh-TW" altLang="en-US"/>
           </a:p>
@@ -3194,7 +3194,7 @@
           <a:p>
             <a:fld id="{050F2255-1E73-4E90-AD07-F4C7ED0C1CA6}" type="datetimeFigureOut">
               <a:rPr lang="zh-TW" altLang="en-US" smtClean="0"/>
-              <a:t>2022/12/3</a:t>
+              <a:t>2022/12/4</a:t>
             </a:fld>
             <a:endParaRPr lang="zh-TW" altLang="en-US"/>
           </a:p>
@@ -3418,7 +3418,7 @@
           <a:p>
             <a:fld id="{050F2255-1E73-4E90-AD07-F4C7ED0C1CA6}" type="datetimeFigureOut">
               <a:rPr lang="zh-TW" altLang="en-US" smtClean="0"/>
-              <a:t>2022/12/3</a:t>
+              <a:t>2022/12/4</a:t>
             </a:fld>
             <a:endParaRPr lang="zh-TW" altLang="en-US"/>
           </a:p>
@@ -3588,7 +3588,7 @@
           <a:p>
             <a:fld id="{050F2255-1E73-4E90-AD07-F4C7ED0C1CA6}" type="datetimeFigureOut">
               <a:rPr lang="zh-TW" altLang="en-US" smtClean="0"/>
-              <a:t>2022/12/3</a:t>
+              <a:t>2022/12/4</a:t>
             </a:fld>
             <a:endParaRPr lang="zh-TW" altLang="en-US"/>
           </a:p>
@@ -3856,7 +3856,7 @@
           <a:p>
             <a:fld id="{050F2255-1E73-4E90-AD07-F4C7ED0C1CA6}" type="datetimeFigureOut">
               <a:rPr lang="zh-TW" altLang="en-US" smtClean="0"/>
-              <a:t>2022/12/3</a:t>
+              <a:t>2022/12/4</a:t>
             </a:fld>
             <a:endParaRPr lang="zh-TW" altLang="en-US"/>
           </a:p>
@@ -4088,7 +4088,7 @@
           <a:p>
             <a:fld id="{050F2255-1E73-4E90-AD07-F4C7ED0C1CA6}" type="datetimeFigureOut">
               <a:rPr lang="zh-TW" altLang="en-US" smtClean="0"/>
-              <a:t>2022/12/3</a:t>
+              <a:t>2022/12/4</a:t>
             </a:fld>
             <a:endParaRPr lang="zh-TW" altLang="en-US"/>
           </a:p>
@@ -4447,7 +4447,7 @@
           <a:p>
             <a:fld id="{050F2255-1E73-4E90-AD07-F4C7ED0C1CA6}" type="datetimeFigureOut">
               <a:rPr lang="zh-TW" altLang="en-US" smtClean="0"/>
-              <a:t>2022/12/3</a:t>
+              <a:t>2022/12/4</a:t>
             </a:fld>
             <a:endParaRPr lang="zh-TW" altLang="en-US"/>
           </a:p>
@@ -4588,7 +4588,7 @@
           <a:p>
             <a:fld id="{050F2255-1E73-4E90-AD07-F4C7ED0C1CA6}" type="datetimeFigureOut">
               <a:rPr lang="zh-TW" altLang="en-US" smtClean="0"/>
-              <a:t>2022/12/3</a:t>
+              <a:t>2022/12/4</a:t>
             </a:fld>
             <a:endParaRPr lang="zh-TW" altLang="en-US"/>
           </a:p>
@@ -4683,7 +4683,7 @@
           <a:p>
             <a:fld id="{050F2255-1E73-4E90-AD07-F4C7ED0C1CA6}" type="datetimeFigureOut">
               <a:rPr lang="zh-TW" altLang="en-US" smtClean="0"/>
-              <a:t>2022/12/3</a:t>
+              <a:t>2022/12/4</a:t>
             </a:fld>
             <a:endParaRPr lang="zh-TW" altLang="en-US"/>
           </a:p>
@@ -5040,7 +5040,7 @@
           <a:p>
             <a:fld id="{050F2255-1E73-4E90-AD07-F4C7ED0C1CA6}" type="datetimeFigureOut">
               <a:rPr lang="zh-TW" altLang="en-US" smtClean="0"/>
-              <a:t>2022/12/3</a:t>
+              <a:t>2022/12/4</a:t>
             </a:fld>
             <a:endParaRPr lang="zh-TW" altLang="en-US"/>
           </a:p>
@@ -5225,7 +5225,7 @@
           <a:p>
             <a:fld id="{050F2255-1E73-4E90-AD07-F4C7ED0C1CA6}" type="datetimeFigureOut">
               <a:rPr lang="zh-TW" altLang="en-US" smtClean="0"/>
-              <a:t>2022/12/3</a:t>
+              <a:t>2022/12/4</a:t>
             </a:fld>
             <a:endParaRPr lang="zh-TW" altLang="en-US"/>
           </a:p>
@@ -5567,7 +5567,7 @@
           <a:p>
             <a:fld id="{050F2255-1E73-4E90-AD07-F4C7ED0C1CA6}" type="datetimeFigureOut">
               <a:rPr lang="zh-TW" altLang="en-US" smtClean="0"/>
-              <a:t>2022/12/3</a:t>
+              <a:t>2022/12/4</a:t>
             </a:fld>
             <a:endParaRPr lang="zh-TW" altLang="en-US"/>
           </a:p>
@@ -5752,7 +5752,7 @@
           <a:p>
             <a:fld id="{050F2255-1E73-4E90-AD07-F4C7ED0C1CA6}" type="datetimeFigureOut">
               <a:rPr lang="zh-TW" altLang="en-US" smtClean="0"/>
-              <a:t>2022/12/3</a:t>
+              <a:t>2022/12/4</a:t>
             </a:fld>
             <a:endParaRPr lang="zh-TW" altLang="en-US"/>
           </a:p>
@@ -5932,7 +5932,7 @@
           <a:p>
             <a:fld id="{050F2255-1E73-4E90-AD07-F4C7ED0C1CA6}" type="datetimeFigureOut">
               <a:rPr lang="zh-TW" altLang="en-US" smtClean="0"/>
-              <a:t>2022/12/3</a:t>
+              <a:t>2022/12/4</a:t>
             </a:fld>
             <a:endParaRPr lang="zh-TW" altLang="en-US"/>
           </a:p>
@@ -6178,7 +6178,7 @@
           <a:p>
             <a:fld id="{050F2255-1E73-4E90-AD07-F4C7ED0C1CA6}" type="datetimeFigureOut">
               <a:rPr lang="zh-TW" altLang="en-US" smtClean="0"/>
-              <a:t>2022/12/3</a:t>
+              <a:t>2022/12/4</a:t>
             </a:fld>
             <a:endParaRPr lang="zh-TW" altLang="en-US"/>
           </a:p>
@@ -6348,7 +6348,7 @@
           <a:p>
             <a:fld id="{050F2255-1E73-4E90-AD07-F4C7ED0C1CA6}" type="datetimeFigureOut">
               <a:rPr lang="zh-TW" altLang="en-US" smtClean="0"/>
-              <a:t>2022/12/3</a:t>
+              <a:t>2022/12/4</a:t>
             </a:fld>
             <a:endParaRPr lang="zh-TW" altLang="en-US"/>
           </a:p>
@@ -6592,7 +6592,7 @@
           <a:p>
             <a:fld id="{050F2255-1E73-4E90-AD07-F4C7ED0C1CA6}" type="datetimeFigureOut">
               <a:rPr lang="zh-TW" altLang="en-US" smtClean="0"/>
-              <a:t>2022/12/3</a:t>
+              <a:t>2022/12/4</a:t>
             </a:fld>
             <a:endParaRPr lang="zh-TW" altLang="en-US"/>
           </a:p>
@@ -6828,7 +6828,7 @@
           <a:p>
             <a:fld id="{050F2255-1E73-4E90-AD07-F4C7ED0C1CA6}" type="datetimeFigureOut">
               <a:rPr lang="zh-TW" altLang="en-US" smtClean="0"/>
-              <a:t>2022/12/3</a:t>
+              <a:t>2022/12/4</a:t>
             </a:fld>
             <a:endParaRPr lang="zh-TW" altLang="en-US"/>
           </a:p>
@@ -7294,7 +7294,7 @@
           <a:p>
             <a:fld id="{050F2255-1E73-4E90-AD07-F4C7ED0C1CA6}" type="datetimeFigureOut">
               <a:rPr lang="zh-TW" altLang="en-US" smtClean="0"/>
-              <a:t>2022/12/3</a:t>
+              <a:t>2022/12/4</a:t>
             </a:fld>
             <a:endParaRPr lang="zh-TW" altLang="en-US"/>
           </a:p>
@@ -7412,7 +7412,7 @@
           <a:p>
             <a:fld id="{050F2255-1E73-4E90-AD07-F4C7ED0C1CA6}" type="datetimeFigureOut">
               <a:rPr lang="zh-TW" altLang="en-US" smtClean="0"/>
-              <a:t>2022/12/3</a:t>
+              <a:t>2022/12/4</a:t>
             </a:fld>
             <a:endParaRPr lang="zh-TW" altLang="en-US"/>
           </a:p>
@@ -7507,7 +7507,7 @@
           <a:p>
             <a:fld id="{050F2255-1E73-4E90-AD07-F4C7ED0C1CA6}" type="datetimeFigureOut">
               <a:rPr lang="zh-TW" altLang="en-US" smtClean="0"/>
-              <a:t>2022/12/3</a:t>
+              <a:t>2022/12/4</a:t>
             </a:fld>
             <a:endParaRPr lang="zh-TW" altLang="en-US"/>
           </a:p>
@@ -7784,7 +7784,7 @@
           <a:p>
             <a:fld id="{050F2255-1E73-4E90-AD07-F4C7ED0C1CA6}" type="datetimeFigureOut">
               <a:rPr lang="zh-TW" altLang="en-US" smtClean="0"/>
-              <a:t>2022/12/3</a:t>
+              <a:t>2022/12/4</a:t>
             </a:fld>
             <a:endParaRPr lang="zh-TW" altLang="en-US"/>
           </a:p>
@@ -8121,7 +8121,7 @@
           <a:p>
             <a:fld id="{050F2255-1E73-4E90-AD07-F4C7ED0C1CA6}" type="datetimeFigureOut">
               <a:rPr lang="zh-TW" altLang="en-US" smtClean="0"/>
-              <a:t>2022/12/3</a:t>
+              <a:t>2022/12/4</a:t>
             </a:fld>
             <a:endParaRPr lang="zh-TW" altLang="en-US"/>
           </a:p>
@@ -8421,7 +8421,7 @@
           <a:p>
             <a:fld id="{050F2255-1E73-4E90-AD07-F4C7ED0C1CA6}" type="datetimeFigureOut">
               <a:rPr lang="zh-TW" altLang="en-US" smtClean="0"/>
-              <a:t>2022/12/3</a:t>
+              <a:t>2022/12/4</a:t>
             </a:fld>
             <a:endParaRPr lang="zh-TW" altLang="en-US"/>
           </a:p>
@@ -8719,7 +8719,7 @@
           <a:p>
             <a:fld id="{050F2255-1E73-4E90-AD07-F4C7ED0C1CA6}" type="datetimeFigureOut">
               <a:rPr lang="zh-TW" altLang="en-US" smtClean="0"/>
-              <a:t>2022/12/3</a:t>
+              <a:t>2022/12/4</a:t>
             </a:fld>
             <a:endParaRPr lang="zh-TW" altLang="en-US"/>
           </a:p>
@@ -8911,7 +8911,7 @@
           <a:p>
             <a:fld id="{050F2255-1E73-4E90-AD07-F4C7ED0C1CA6}" type="datetimeFigureOut">
               <a:rPr lang="zh-TW" altLang="en-US" smtClean="0"/>
-              <a:t>2022/12/3</a:t>
+              <a:t>2022/12/4</a:t>
             </a:fld>
             <a:endParaRPr lang="zh-TW" altLang="en-US"/>
           </a:p>
@@ -9172,7 +9172,7 @@
           <a:p>
             <a:fld id="{050F2255-1E73-4E90-AD07-F4C7ED0C1CA6}" type="datetimeFigureOut">
               <a:rPr lang="zh-TW" altLang="en-US" smtClean="0"/>
-              <a:t>2022/12/3</a:t>
+              <a:t>2022/12/4</a:t>
             </a:fld>
             <a:endParaRPr lang="zh-TW" altLang="en-US"/>
           </a:p>
@@ -9596,7 +9596,7 @@
           <a:p>
             <a:fld id="{050F2255-1E73-4E90-AD07-F4C7ED0C1CA6}" type="datetimeFigureOut">
               <a:rPr lang="zh-TW" altLang="en-US" smtClean="0"/>
-              <a:t>2022/12/3</a:t>
+              <a:t>2022/12/4</a:t>
             </a:fld>
             <a:endParaRPr lang="zh-TW" altLang="en-US"/>
           </a:p>
@@ -10133,7 +10133,7 @@
           <a:p>
             <a:fld id="{050F2255-1E73-4E90-AD07-F4C7ED0C1CA6}" type="datetimeFigureOut">
               <a:rPr lang="zh-TW" altLang="en-US" smtClean="0"/>
-              <a:t>2022/12/3</a:t>
+              <a:t>2022/12/4</a:t>
             </a:fld>
             <a:endParaRPr lang="zh-TW" altLang="en-US"/>
           </a:p>
@@ -10997,7 +10997,7 @@
           <a:p>
             <a:fld id="{050F2255-1E73-4E90-AD07-F4C7ED0C1CA6}" type="datetimeFigureOut">
               <a:rPr lang="zh-TW" altLang="en-US" smtClean="0"/>
-              <a:t>2022/12/3</a:t>
+              <a:t>2022/12/4</a:t>
             </a:fld>
             <a:endParaRPr lang="zh-TW" altLang="en-US"/>
           </a:p>
@@ -11167,7 +11167,7 @@
           <a:p>
             <a:fld id="{050F2255-1E73-4E90-AD07-F4C7ED0C1CA6}" type="datetimeFigureOut">
               <a:rPr lang="zh-TW" altLang="en-US" smtClean="0"/>
-              <a:t>2022/12/3</a:t>
+              <a:t>2022/12/4</a:t>
             </a:fld>
             <a:endParaRPr lang="zh-TW" altLang="en-US"/>
           </a:p>
@@ -11351,7 +11351,7 @@
           <a:p>
             <a:fld id="{050F2255-1E73-4E90-AD07-F4C7ED0C1CA6}" type="datetimeFigureOut">
               <a:rPr lang="zh-TW" altLang="en-US" smtClean="0"/>
-              <a:t>2022/12/3</a:t>
+              <a:t>2022/12/4</a:t>
             </a:fld>
             <a:endParaRPr lang="zh-TW" altLang="en-US"/>
           </a:p>
@@ -11663,7 +11663,7 @@
           <a:p>
             <a:fld id="{050F2255-1E73-4E90-AD07-F4C7ED0C1CA6}" type="datetimeFigureOut">
               <a:rPr lang="zh-TW" altLang="en-US" smtClean="0"/>
-              <a:t>2022/12/3</a:t>
+              <a:t>2022/12/4</a:t>
             </a:fld>
             <a:endParaRPr lang="zh-TW" altLang="en-US"/>
           </a:p>
@@ -12140,7 +12140,7 @@
           <a:p>
             <a:fld id="{050F2255-1E73-4E90-AD07-F4C7ED0C1CA6}" type="datetimeFigureOut">
               <a:rPr lang="zh-TW" altLang="en-US" smtClean="0"/>
-              <a:t>2022/12/3</a:t>
+              <a:t>2022/12/4</a:t>
             </a:fld>
             <a:endParaRPr lang="zh-TW" altLang="en-US"/>
           </a:p>
@@ -12258,7 +12258,7 @@
           <a:p>
             <a:fld id="{050F2255-1E73-4E90-AD07-F4C7ED0C1CA6}" type="datetimeFigureOut">
               <a:rPr lang="zh-TW" altLang="en-US" smtClean="0"/>
-              <a:t>2022/12/3</a:t>
+              <a:t>2022/12/4</a:t>
             </a:fld>
             <a:endParaRPr lang="zh-TW" altLang="en-US"/>
           </a:p>
@@ -12353,7 +12353,7 @@
           <a:p>
             <a:fld id="{050F2255-1E73-4E90-AD07-F4C7ED0C1CA6}" type="datetimeFigureOut">
               <a:rPr lang="zh-TW" altLang="en-US" smtClean="0"/>
-              <a:t>2022/12/3</a:t>
+              <a:t>2022/12/4</a:t>
             </a:fld>
             <a:endParaRPr lang="zh-TW" altLang="en-US"/>
           </a:p>
@@ -12699,7 +12699,7 @@
           <a:p>
             <a:fld id="{050F2255-1E73-4E90-AD07-F4C7ED0C1CA6}" type="datetimeFigureOut">
               <a:rPr lang="zh-TW" altLang="en-US" smtClean="0"/>
-              <a:t>2022/12/3</a:t>
+              <a:t>2022/12/4</a:t>
             </a:fld>
             <a:endParaRPr lang="zh-TW" altLang="en-US"/>
           </a:p>
@@ -13087,7 +13087,7 @@
           <a:p>
             <a:fld id="{050F2255-1E73-4E90-AD07-F4C7ED0C1CA6}" type="datetimeFigureOut">
               <a:rPr lang="zh-TW" altLang="en-US" smtClean="0"/>
-              <a:t>2022/12/3</a:t>
+              <a:t>2022/12/4</a:t>
             </a:fld>
             <a:endParaRPr lang="zh-TW" altLang="en-US"/>
           </a:p>
@@ -13365,7 +13365,7 @@
           <a:p>
             <a:fld id="{050F2255-1E73-4E90-AD07-F4C7ED0C1CA6}" type="datetimeFigureOut">
               <a:rPr lang="zh-TW" altLang="en-US" smtClean="0"/>
-              <a:t>2022/12/3</a:t>
+              <a:t>2022/12/4</a:t>
             </a:fld>
             <a:endParaRPr lang="zh-TW" altLang="en-US"/>
           </a:p>
@@ -13811,7 +13811,7 @@
       </a:lvl9pPr>
     </p:otherStyle>
   </p:txStyles>
-  <p:extLst mod="1">
+  <p:extLst>
     <p:ext uri="{27BBF7A9-308A-43DC-89C8-2F10F3537804}">
       <p15:sldGuideLst xmlns:p15="http://schemas.microsoft.com/office/powerpoint/2012/main">
         <p15:guide id="3" orient="horz" pos="1368">
@@ -14025,7 +14025,7 @@
           <a:p>
             <a:fld id="{050F2255-1E73-4E90-AD07-F4C7ED0C1CA6}" type="datetimeFigureOut">
               <a:rPr lang="zh-TW" altLang="en-US" smtClean="0"/>
-              <a:t>2022/12/3</a:t>
+              <a:t>2022/12/4</a:t>
             </a:fld>
             <a:endParaRPr lang="zh-TW" altLang="en-US"/>
           </a:p>
@@ -14633,7 +14633,7 @@
           <a:p>
             <a:fld id="{050F2255-1E73-4E90-AD07-F4C7ED0C1CA6}" type="datetimeFigureOut">
               <a:rPr lang="zh-TW" altLang="en-US" smtClean="0"/>
-              <a:t>2022/12/3</a:t>
+              <a:t>2022/12/4</a:t>
             </a:fld>
             <a:endParaRPr lang="zh-TW" altLang="en-US"/>
           </a:p>
@@ -16370,13 +16370,13 @@
   <p:clrMapOvr>
     <a:masterClrMapping/>
   </p:clrMapOvr>
-  <mc:AlternateContent xmlns:mc="http://schemas.openxmlformats.org/markup-compatibility/2006">
-    <mc:Choice xmlns:p14="http://schemas.microsoft.com/office/powerpoint/2010/main" Requires="p14">
+  <mc:AlternateContent xmlns:mc="http://schemas.openxmlformats.org/markup-compatibility/2006" xmlns:p14="http://schemas.microsoft.com/office/powerpoint/2010/main">
+    <mc:Choice Requires="p14">
       <p:transition spd="med" p14:dur="700">
         <p:fade/>
       </p:transition>
     </mc:Choice>
-    <mc:Fallback>
+    <mc:Fallback xmlns="">
       <p:transition spd="med">
         <p:fade/>
       </p:transition>
@@ -16516,13 +16516,13 @@
   <p:clrMapOvr>
     <a:masterClrMapping/>
   </p:clrMapOvr>
-  <mc:AlternateContent xmlns:mc="http://schemas.openxmlformats.org/markup-compatibility/2006">
-    <mc:Choice xmlns:p14="http://schemas.microsoft.com/office/powerpoint/2010/main" Requires="p14">
+  <mc:AlternateContent xmlns:mc="http://schemas.openxmlformats.org/markup-compatibility/2006" xmlns:p14="http://schemas.microsoft.com/office/powerpoint/2010/main">
+    <mc:Choice Requires="p14">
       <p:transition spd="slow" p14:dur="1250">
         <p:split orient="vert"/>
       </p:transition>
     </mc:Choice>
-    <mc:Fallback>
+    <mc:Fallback xmlns="">
       <p:transition spd="slow">
         <p:split orient="vert"/>
       </p:transition>
@@ -16597,6 +16597,13 @@
         <p:txBody>
           <a:bodyPr/>
           <a:lstStyle/>
+          <a:p>
+            <a:r>
+              <a:rPr lang="zh-TW" altLang="en-US" sz="2800" dirty="0"/>
+              <a:t>組員分工</a:t>
+            </a:r>
+            <a:endParaRPr lang="en-US" altLang="zh-TW" sz="2800" dirty="0"/>
+          </a:p>
           <a:p>
             <a:r>
               <a:rPr lang="zh-TW" altLang="en-US" sz="2800" dirty="0"/>
